--- a/module-1/01-11 Documenting your Web API with OpenAPI/01-11 Documenting your Web API with OpenAPI.pptx
+++ b/module-1/01-11 Documenting your Web API with OpenAPI/01-11 Documenting your Web API with OpenAPI.pptx
@@ -6,17 +6,16 @@
     <p:sldMasterId id="2147483696" r:id="rId2"/>
   </p:sldMasterIdLst>
   <p:notesMasterIdLst>
-    <p:notesMasterId r:id="rId11"/>
+    <p:notesMasterId r:id="rId10"/>
   </p:notesMasterIdLst>
   <p:sldIdLst>
-    <p:sldId id="261" r:id="rId3"/>
-    <p:sldId id="256" r:id="rId4"/>
-    <p:sldId id="262" r:id="rId5"/>
-    <p:sldId id="263" r:id="rId6"/>
-    <p:sldId id="264" r:id="rId7"/>
-    <p:sldId id="265" r:id="rId8"/>
-    <p:sldId id="266" r:id="rId9"/>
-    <p:sldId id="267" r:id="rId10"/>
+    <p:sldId id="256" r:id="rId3"/>
+    <p:sldId id="262" r:id="rId4"/>
+    <p:sldId id="263" r:id="rId5"/>
+    <p:sldId id="264" r:id="rId6"/>
+    <p:sldId id="265" r:id="rId7"/>
+    <p:sldId id="266" r:id="rId8"/>
+    <p:sldId id="267" r:id="rId9"/>
   </p:sldIdLst>
   <p:sldSz cx="12192000" cy="6858000"/>
   <p:notesSz cx="6858000" cy="9144000"/>
@@ -2602,7 +2601,7 @@
           <a:p>
             <a:fld id="{F6240EBC-9008-44D7-97AB-6B6A4638BB75}" type="datetimeFigureOut">
               <a:rPr lang="en-US" smtClean="0"/>
-              <a:t>9/27/2021</a:t>
+              <a:t>5/17/2022</a:t>
             </a:fld>
             <a:endParaRPr lang="en-US"/>
           </a:p>
@@ -2869,158 +2868,6 @@
 </p:notesMaster>
 </file>
 
-<file path=ppt/notesSlides/notesSlide1.xml><?xml version="1.0" encoding="utf-8"?>
-<p:notes xmlns:a="http://schemas.openxmlformats.org/drawingml/2006/main" xmlns:r="http://schemas.openxmlformats.org/officeDocument/2006/relationships" xmlns:p="http://schemas.openxmlformats.org/presentationml/2006/main">
-  <p:cSld>
-    <p:spTree>
-      <p:nvGrpSpPr>
-        <p:cNvPr id="1" name=""/>
-        <p:cNvGrpSpPr/>
-        <p:nvPr/>
-      </p:nvGrpSpPr>
-      <p:grpSpPr>
-        <a:xfrm>
-          <a:off x="0" y="0"/>
-          <a:ext cx="0" cy="0"/>
-          <a:chOff x="0" y="0"/>
-          <a:chExt cx="0" cy="0"/>
-        </a:xfrm>
-      </p:grpSpPr>
-      <p:sp>
-        <p:nvSpPr>
-          <p:cNvPr id="2" name="Slide Image Placeholder 1"/>
-          <p:cNvSpPr>
-            <a:spLocks noGrp="1" noRot="1" noChangeAspect="1"/>
-          </p:cNvSpPr>
-          <p:nvPr>
-            <p:ph type="sldImg"/>
-          </p:nvPr>
-        </p:nvSpPr>
-        <p:spPr/>
-      </p:sp>
-      <p:sp>
-        <p:nvSpPr>
-          <p:cNvPr id="3" name="Notes Placeholder 2"/>
-          <p:cNvSpPr>
-            <a:spLocks noGrp="1"/>
-          </p:cNvSpPr>
-          <p:nvPr>
-            <p:ph type="body" idx="1"/>
-          </p:nvPr>
-        </p:nvSpPr>
-        <p:spPr/>
-        <p:txBody>
-          <a:bodyPr/>
-          <a:lstStyle/>
-          <a:p>
-            <a:endParaRPr lang="en-US" dirty="0"/>
-          </a:p>
-        </p:txBody>
-      </p:sp>
-      <p:sp>
-        <p:nvSpPr>
-          <p:cNvPr id="4" name="Slide Number Placeholder 3"/>
-          <p:cNvSpPr>
-            <a:spLocks noGrp="1"/>
-          </p:cNvSpPr>
-          <p:nvPr>
-            <p:ph type="sldNum" sz="quarter" idx="10"/>
-          </p:nvPr>
-        </p:nvSpPr>
-        <p:spPr>
-          <a:xfrm>
-            <a:off x="3884613" y="8685213"/>
-            <a:ext cx="2971800" cy="457200"/>
-          </a:xfrm>
-          <a:prstGeom prst="rect">
-            <a:avLst/>
-          </a:prstGeom>
-        </p:spPr>
-        <p:txBody>
-          <a:bodyPr/>
-          <a:lstStyle/>
-          <a:p>
-            <a:pPr marL="0" marR="0" lvl="0" indent="0" algn="l" defTabSz="914400" rtl="0" eaLnBrk="1" fontAlgn="auto" latinLnBrk="0" hangingPunct="1">
-              <a:lnSpc>
-                <a:spcPct val="100000"/>
-              </a:lnSpc>
-              <a:spcBef>
-                <a:spcPts val="0"/>
-              </a:spcBef>
-              <a:spcAft>
-                <a:spcPts val="0"/>
-              </a:spcAft>
-              <a:buClrTx/>
-              <a:buSzTx/>
-              <a:buFontTx/>
-              <a:buNone/>
-              <a:tabLst/>
-              <a:defRPr/>
-            </a:pPr>
-            <a:fld id="{DE326DE0-BACA-4EA0-B73F-CC7DC1D7F4A1}" type="slidenum">
-              <a:rPr kumimoji="0" lang="en-US" sz="1800" b="0" i="0" u="none" strike="noStrike" kern="1200" cap="none" spc="0" normalizeH="0" baseline="0" noProof="0" smtClean="0">
-                <a:ln>
-                  <a:noFill/>
-                </a:ln>
-                <a:solidFill>
-                  <a:prstClr val="black"/>
-                </a:solidFill>
-                <a:effectLst/>
-                <a:uLnTx/>
-                <a:uFillTx/>
-                <a:latin typeface="Calibri"/>
-                <a:ea typeface="+mn-ea"/>
-                <a:cs typeface="+mn-cs"/>
-              </a:rPr>
-              <a:pPr marL="0" marR="0" lvl="0" indent="0" algn="l" defTabSz="914400" rtl="0" eaLnBrk="1" fontAlgn="auto" latinLnBrk="0" hangingPunct="1">
-                <a:lnSpc>
-                  <a:spcPct val="100000"/>
-                </a:lnSpc>
-                <a:spcBef>
-                  <a:spcPts val="0"/>
-                </a:spcBef>
-                <a:spcAft>
-                  <a:spcPts val="0"/>
-                </a:spcAft>
-                <a:buClrTx/>
-                <a:buSzTx/>
-                <a:buFontTx/>
-                <a:buNone/>
-                <a:tabLst/>
-                <a:defRPr/>
-              </a:pPr>
-              <a:t>1</a:t>
-            </a:fld>
-            <a:endParaRPr kumimoji="0" lang="en-US" sz="1800" b="0" i="0" u="none" strike="noStrike" kern="1200" cap="none" spc="0" normalizeH="0" baseline="0" noProof="0">
-              <a:ln>
-                <a:noFill/>
-              </a:ln>
-              <a:solidFill>
-                <a:prstClr val="black"/>
-              </a:solidFill>
-              <a:effectLst/>
-              <a:uLnTx/>
-              <a:uFillTx/>
-              <a:latin typeface="Calibri"/>
-              <a:ea typeface="+mn-ea"/>
-              <a:cs typeface="+mn-cs"/>
-            </a:endParaRPr>
-          </a:p>
-        </p:txBody>
-      </p:sp>
-    </p:spTree>
-    <p:extLst>
-      <p:ext uri="{BB962C8B-B14F-4D97-AF65-F5344CB8AC3E}">
-        <p14:creationId xmlns:p14="http://schemas.microsoft.com/office/powerpoint/2010/main" val="4261198586"/>
-      </p:ext>
-    </p:extLst>
-  </p:cSld>
-  <p:clrMapOvr>
-    <a:masterClrMapping/>
-  </p:clrMapOvr>
-</p:notes>
-</file>
-
 <file path=ppt/slideLayouts/slideLayout1.xml><?xml version="1.0" encoding="utf-8"?>
 <p:sldLayout xmlns:a="http://schemas.openxmlformats.org/drawingml/2006/main" xmlns:r="http://schemas.openxmlformats.org/officeDocument/2006/relationships" xmlns:p="http://schemas.openxmlformats.org/presentationml/2006/main" showMasterSp="0" type="title" preserve="1">
   <p:cSld name="Title Slide">
@@ -3249,7 +3096,7 @@
           <a:p>
             <a:fld id="{D0D085E7-9E2C-420E-876E-E1FF698191B0}" type="datetimeFigureOut">
               <a:rPr lang="en-US" smtClean="0"/>
-              <a:t>9/27/2021</a:t>
+              <a:t>5/17/2022</a:t>
             </a:fld>
             <a:endParaRPr lang="en-US"/>
           </a:p>
@@ -3457,7 +3304,7 @@
           <a:p>
             <a:fld id="{D0D085E7-9E2C-420E-876E-E1FF698191B0}" type="datetimeFigureOut">
               <a:rPr lang="en-US" smtClean="0"/>
-              <a:t>9/27/2021</a:t>
+              <a:t>5/17/2022</a:t>
             </a:fld>
             <a:endParaRPr lang="en-US"/>
           </a:p>
@@ -3715,7 +3562,7 @@
           <a:p>
             <a:fld id="{D0D085E7-9E2C-420E-876E-E1FF698191B0}" type="datetimeFigureOut">
               <a:rPr lang="en-US" smtClean="0"/>
-              <a:t>9/27/2021</a:t>
+              <a:t>5/17/2022</a:t>
             </a:fld>
             <a:endParaRPr lang="en-US"/>
           </a:p>
@@ -3955,7 +3802,7 @@
           <a:p>
             <a:fld id="{D088F999-7A4E-6B4F-9FED-EF75B73AD044}" type="datetimeFigureOut">
               <a:rPr lang="en-US" smtClean="0"/>
-              <a:t>9/27/2021</a:t>
+              <a:t>5/17/2022</a:t>
             </a:fld>
             <a:endParaRPr lang="en-US"/>
           </a:p>
@@ -4123,7 +3970,7 @@
           <a:p>
             <a:fld id="{D088F999-7A4E-6B4F-9FED-EF75B73AD044}" type="datetimeFigureOut">
               <a:rPr lang="en-US" smtClean="0"/>
-              <a:t>9/27/2021</a:t>
+              <a:t>5/17/2022</a:t>
             </a:fld>
             <a:endParaRPr lang="en-US"/>
           </a:p>
@@ -4368,7 +4215,7 @@
           <a:p>
             <a:fld id="{D088F999-7A4E-6B4F-9FED-EF75B73AD044}" type="datetimeFigureOut">
               <a:rPr lang="en-US" smtClean="0"/>
-              <a:t>9/27/2021</a:t>
+              <a:t>5/17/2022</a:t>
             </a:fld>
             <a:endParaRPr lang="en-US"/>
           </a:p>
@@ -4653,7 +4500,7 @@
           <a:p>
             <a:fld id="{D088F999-7A4E-6B4F-9FED-EF75B73AD044}" type="datetimeFigureOut">
               <a:rPr lang="en-US" smtClean="0"/>
-              <a:t>9/27/2021</a:t>
+              <a:t>5/17/2022</a:t>
             </a:fld>
             <a:endParaRPr lang="en-US"/>
           </a:p>
@@ -5072,7 +4919,7 @@
           <a:p>
             <a:fld id="{D088F999-7A4E-6B4F-9FED-EF75B73AD044}" type="datetimeFigureOut">
               <a:rPr lang="en-US" smtClean="0"/>
-              <a:t>9/27/2021</a:t>
+              <a:t>5/17/2022</a:t>
             </a:fld>
             <a:endParaRPr lang="en-US"/>
           </a:p>
@@ -5189,7 +5036,7 @@
           <a:p>
             <a:fld id="{D088F999-7A4E-6B4F-9FED-EF75B73AD044}" type="datetimeFigureOut">
               <a:rPr lang="en-US" smtClean="0"/>
-              <a:t>9/27/2021</a:t>
+              <a:t>5/17/2022</a:t>
             </a:fld>
             <a:endParaRPr lang="en-US"/>
           </a:p>
@@ -5284,7 +5131,7 @@
           <a:p>
             <a:fld id="{D088F999-7A4E-6B4F-9FED-EF75B73AD044}" type="datetimeFigureOut">
               <a:rPr lang="en-US" smtClean="0"/>
-              <a:t>9/27/2021</a:t>
+              <a:t>5/17/2022</a:t>
             </a:fld>
             <a:endParaRPr lang="en-US"/>
           </a:p>
@@ -5559,7 +5406,7 @@
           <a:p>
             <a:fld id="{D088F999-7A4E-6B4F-9FED-EF75B73AD044}" type="datetimeFigureOut">
               <a:rPr lang="en-US" smtClean="0"/>
-              <a:t>9/27/2021</a:t>
+              <a:t>5/17/2022</a:t>
             </a:fld>
             <a:endParaRPr lang="en-US"/>
           </a:p>
@@ -5729,7 +5576,7 @@
           <a:p>
             <a:fld id="{D0D085E7-9E2C-420E-876E-E1FF698191B0}" type="datetimeFigureOut">
               <a:rPr lang="en-US" smtClean="0"/>
-              <a:t>9/27/2021</a:t>
+              <a:t>5/17/2022</a:t>
             </a:fld>
             <a:endParaRPr lang="en-US"/>
           </a:p>
@@ -5981,7 +5828,7 @@
           <a:p>
             <a:fld id="{D088F999-7A4E-6B4F-9FED-EF75B73AD044}" type="datetimeFigureOut">
               <a:rPr lang="en-US" smtClean="0"/>
-              <a:t>9/27/2021</a:t>
+              <a:t>5/17/2022</a:t>
             </a:fld>
             <a:endParaRPr lang="en-US"/>
           </a:p>
@@ -6149,7 +5996,7 @@
           <a:p>
             <a:fld id="{D088F999-7A4E-6B4F-9FED-EF75B73AD044}" type="datetimeFigureOut">
               <a:rPr lang="en-US" smtClean="0"/>
-              <a:t>9/27/2021</a:t>
+              <a:t>5/17/2022</a:t>
             </a:fld>
             <a:endParaRPr lang="en-US"/>
           </a:p>
@@ -6327,7 +6174,7 @@
           <a:p>
             <a:fld id="{D088F999-7A4E-6B4F-9FED-EF75B73AD044}" type="datetimeFigureOut">
               <a:rPr lang="en-US" smtClean="0"/>
-              <a:t>9/27/2021</a:t>
+              <a:t>5/17/2022</a:t>
             </a:fld>
             <a:endParaRPr lang="en-US"/>
           </a:p>
@@ -6664,7 +6511,7 @@
           <a:p>
             <a:fld id="{D0D085E7-9E2C-420E-876E-E1FF698191B0}" type="datetimeFigureOut">
               <a:rPr lang="en-US" smtClean="0"/>
-              <a:t>9/27/2021</a:t>
+              <a:t>5/17/2022</a:t>
             </a:fld>
             <a:endParaRPr lang="en-US"/>
           </a:p>
@@ -6939,7 +6786,7 @@
           <a:p>
             <a:fld id="{D0D085E7-9E2C-420E-876E-E1FF698191B0}" type="datetimeFigureOut">
               <a:rPr lang="en-US" smtClean="0"/>
-              <a:t>9/27/2021</a:t>
+              <a:t>5/17/2022</a:t>
             </a:fld>
             <a:endParaRPr lang="en-US"/>
           </a:p>
@@ -7322,7 +7169,7 @@
           <a:p>
             <a:fld id="{D0D085E7-9E2C-420E-876E-E1FF698191B0}" type="datetimeFigureOut">
               <a:rPr lang="en-US" smtClean="0"/>
-              <a:t>9/27/2021</a:t>
+              <a:t>5/17/2022</a:t>
             </a:fld>
             <a:endParaRPr lang="en-US"/>
           </a:p>
@@ -7440,7 +7287,7 @@
           <a:p>
             <a:fld id="{D0D085E7-9E2C-420E-876E-E1FF698191B0}" type="datetimeFigureOut">
               <a:rPr lang="en-US" smtClean="0"/>
-              <a:t>9/27/2021</a:t>
+              <a:t>5/17/2022</a:t>
             </a:fld>
             <a:endParaRPr lang="en-US"/>
           </a:p>
@@ -7613,7 +7460,7 @@
           <a:p>
             <a:fld id="{D0D085E7-9E2C-420E-876E-E1FF698191B0}" type="datetimeFigureOut">
               <a:rPr lang="en-US" smtClean="0"/>
-              <a:t>9/27/2021</a:t>
+              <a:t>5/17/2022</a:t>
             </a:fld>
             <a:endParaRPr lang="en-US"/>
           </a:p>
@@ -7969,7 +7816,7 @@
           <a:p>
             <a:fld id="{D0D085E7-9E2C-420E-876E-E1FF698191B0}" type="datetimeFigureOut">
               <a:rPr lang="en-US" smtClean="0"/>
-              <a:t>9/27/2021</a:t>
+              <a:t>5/17/2022</a:t>
             </a:fld>
             <a:endParaRPr lang="en-US"/>
           </a:p>
@@ -8317,7 +8164,7 @@
           <a:p>
             <a:fld id="{D0D085E7-9E2C-420E-876E-E1FF698191B0}" type="datetimeFigureOut">
               <a:rPr lang="en-US" smtClean="0"/>
-              <a:t>9/27/2021</a:t>
+              <a:t>5/17/2022</a:t>
             </a:fld>
             <a:endParaRPr lang="en-US"/>
           </a:p>
@@ -8628,7 +8475,7 @@
           <a:p>
             <a:fld id="{D0D085E7-9E2C-420E-876E-E1FF698191B0}" type="datetimeFigureOut">
               <a:rPr lang="en-US" smtClean="0"/>
-              <a:t>9/27/2021</a:t>
+              <a:t>5/17/2022</a:t>
             </a:fld>
             <a:endParaRPr lang="en-US"/>
           </a:p>
@@ -9294,7 +9141,7 @@
           <a:p>
             <a:fld id="{D088F999-7A4E-6B4F-9FED-EF75B73AD044}" type="datetimeFigureOut">
               <a:rPr lang="en-US" smtClean="0"/>
-              <a:t>9/27/2021</a:t>
+              <a:t>5/17/2022</a:t>
             </a:fld>
             <a:endParaRPr lang="en-US"/>
           </a:p>
@@ -9669,423 +9516,6 @@
           <a:chExt cx="0" cy="0"/>
         </a:xfrm>
       </p:grpSpPr>
-      <p:sp>
-        <p:nvSpPr>
-          <p:cNvPr id="4" name="Rectangle 3">
-            <a:extLst>
-              <a:ext uri="{FF2B5EF4-FFF2-40B4-BE49-F238E27FC236}">
-                <a16:creationId xmlns:a16="http://schemas.microsoft.com/office/drawing/2014/main" id="{2DB7453A-5DFD-6B43-9EF9-B4DB30288921}"/>
-              </a:ext>
-            </a:extLst>
-          </p:cNvPr>
-          <p:cNvSpPr/>
-          <p:nvPr/>
-        </p:nvSpPr>
-        <p:spPr>
-          <a:xfrm>
-            <a:off x="0" y="4343400"/>
-            <a:ext cx="12192000" cy="2514600"/>
-          </a:xfrm>
-          <a:prstGeom prst="rect">
-            <a:avLst/>
-          </a:prstGeom>
-          <a:solidFill>
-            <a:srgbClr val="403938"/>
-          </a:solidFill>
-          <a:ln>
-            <a:noFill/>
-          </a:ln>
-        </p:spPr>
-        <p:style>
-          <a:lnRef idx="1">
-            <a:schemeClr val="accent1"/>
-          </a:lnRef>
-          <a:fillRef idx="3">
-            <a:schemeClr val="accent1"/>
-          </a:fillRef>
-          <a:effectRef idx="2">
-            <a:schemeClr val="accent1"/>
-          </a:effectRef>
-          <a:fontRef idx="minor">
-            <a:schemeClr val="lt1"/>
-          </a:fontRef>
-        </p:style>
-        <p:txBody>
-          <a:bodyPr rtlCol="0" anchor="ctr"/>
-          <a:lstStyle/>
-          <a:p>
-            <a:pPr algn="ctr" defTabSz="1219170"/>
-            <a:endParaRPr lang="en-US" sz="2400" dirty="0">
-              <a:solidFill>
-                <a:prstClr val="white"/>
-              </a:solidFill>
-              <a:latin typeface="Calibri"/>
-            </a:endParaRPr>
-          </a:p>
-        </p:txBody>
-      </p:sp>
-      <p:sp>
-        <p:nvSpPr>
-          <p:cNvPr id="6" name="Rectangle 5"/>
-          <p:cNvSpPr>
-            <a:spLocks noChangeArrowheads="1"/>
-          </p:cNvSpPr>
-          <p:nvPr/>
-        </p:nvSpPr>
-        <p:spPr bwMode="auto">
-          <a:xfrm>
-            <a:off x="304800" y="4826683"/>
-            <a:ext cx="5317067" cy="1727200"/>
-          </a:xfrm>
-          <a:prstGeom prst="rect">
-            <a:avLst/>
-          </a:prstGeom>
-          <a:noFill/>
-          <a:ln>
-            <a:noFill/>
-          </a:ln>
-          <a:effectLst/>
-          <a:extLst>
-            <a:ext uri="{909E8E84-426E-40DD-AFC4-6F175D3DCCD1}">
-              <a14:hiddenFill xmlns:a14="http://schemas.microsoft.com/office/drawing/2010/main">
-                <a:solidFill>
-                  <a:schemeClr val="accent1"/>
-                </a:solidFill>
-              </a14:hiddenFill>
-            </a:ext>
-            <a:ext uri="{91240B29-F687-4F45-9708-019B960494DF}">
-              <a14:hiddenLine xmlns:a14="http://schemas.microsoft.com/office/drawing/2010/main" w="9525">
-                <a:solidFill>
-                  <a:schemeClr val="tx1"/>
-                </a:solidFill>
-                <a:miter lim="800000"/>
-                <a:headEnd/>
-                <a:tailEnd/>
-              </a14:hiddenLine>
-            </a:ext>
-            <a:ext uri="{AF507438-7753-43E0-B8FC-AC1667EBCBE1}">
-              <a14:hiddenEffects xmlns:a14="http://schemas.microsoft.com/office/drawing/2010/main">
-                <a:effectLst>
-                  <a:outerShdw dist="35921" dir="2700000" algn="ctr" rotWithShape="0">
-                    <a:schemeClr val="bg2"/>
-                  </a:outerShdw>
-                </a:effectLst>
-              </a14:hiddenEffects>
-            </a:ext>
-          </a:extLst>
-        </p:spPr>
-        <p:txBody>
-          <a:bodyPr lIns="114564" tIns="57283" rIns="114564" bIns="57283"/>
-          <a:lstStyle/>
-          <a:p>
-            <a:pPr defTabSz="1219170">
-              <a:defRPr/>
-            </a:pPr>
-            <a:r>
-              <a:rPr lang="en-US" sz="4267" b="1" dirty="0">
-                <a:solidFill>
-                  <a:prstClr val="white"/>
-                </a:solidFill>
-                <a:latin typeface="Arial" charset="0"/>
-              </a:rPr>
-              <a:t>Chris Woodruff</a:t>
-            </a:r>
-            <a:endParaRPr lang="en-US" sz="3733" b="1" dirty="0">
-              <a:solidFill>
-                <a:prstClr val="white"/>
-              </a:solidFill>
-              <a:latin typeface="Arial" charset="0"/>
-            </a:endParaRPr>
-          </a:p>
-          <a:p>
-            <a:pPr defTabSz="1219170">
-              <a:defRPr/>
-            </a:pPr>
-            <a:r>
-              <a:rPr lang="en-US" sz="3200" b="1" dirty="0" err="1">
-                <a:solidFill>
-                  <a:prstClr val="white"/>
-                </a:solidFill>
-                <a:latin typeface="Arial" charset="0"/>
-              </a:rPr>
-              <a:t>LearningAbout.Dev</a:t>
-            </a:r>
-            <a:endParaRPr lang="en-US" sz="3200" b="1" dirty="0">
-              <a:solidFill>
-                <a:prstClr val="white"/>
-              </a:solidFill>
-              <a:latin typeface="Arial" charset="0"/>
-            </a:endParaRPr>
-          </a:p>
-          <a:p>
-            <a:pPr defTabSz="1219170">
-              <a:defRPr/>
-            </a:pPr>
-            <a:endParaRPr lang="en-US" sz="2400" b="1" dirty="0">
-              <a:solidFill>
-                <a:prstClr val="white"/>
-              </a:solidFill>
-              <a:latin typeface="Arial" charset="0"/>
-            </a:endParaRPr>
-          </a:p>
-          <a:p>
-            <a:pPr defTabSz="1219170">
-              <a:defRPr/>
-            </a:pPr>
-            <a:endParaRPr lang="en-US" sz="1867" dirty="0">
-              <a:solidFill>
-                <a:prstClr val="white"/>
-              </a:solidFill>
-              <a:latin typeface="Times New Roman" pitchFamily="28" charset="0"/>
-            </a:endParaRPr>
-          </a:p>
-        </p:txBody>
-      </p:sp>
-      <p:sp>
-        <p:nvSpPr>
-          <p:cNvPr id="7" name="Text Box 7"/>
-          <p:cNvSpPr txBox="1">
-            <a:spLocks noChangeArrowheads="1"/>
-          </p:cNvSpPr>
-          <p:nvPr/>
-        </p:nvSpPr>
-        <p:spPr bwMode="auto">
-          <a:xfrm>
-            <a:off x="7924801" y="4824276"/>
-            <a:ext cx="4889497" cy="830997"/>
-          </a:xfrm>
-          <a:prstGeom prst="rect">
-            <a:avLst/>
-          </a:prstGeom>
-          <a:noFill/>
-          <a:ln>
-            <a:noFill/>
-          </a:ln>
-          <a:effectLst/>
-          <a:extLst>
-            <a:ext uri="{909E8E84-426E-40DD-AFC4-6F175D3DCCD1}">
-              <a14:hiddenFill xmlns:a14="http://schemas.microsoft.com/office/drawing/2010/main">
-                <a:solidFill>
-                  <a:schemeClr val="accent1"/>
-                </a:solidFill>
-              </a14:hiddenFill>
-            </a:ext>
-            <a:ext uri="{91240B29-F687-4F45-9708-019B960494DF}">
-              <a14:hiddenLine xmlns:a14="http://schemas.microsoft.com/office/drawing/2010/main" w="9525" algn="ctr">
-                <a:solidFill>
-                  <a:schemeClr val="tx1"/>
-                </a:solidFill>
-                <a:miter lim="800000"/>
-                <a:headEnd/>
-                <a:tailEnd/>
-              </a14:hiddenLine>
-            </a:ext>
-            <a:ext uri="{AF507438-7753-43E0-B8FC-AC1667EBCBE1}">
-              <a14:hiddenEffects xmlns:a14="http://schemas.microsoft.com/office/drawing/2010/main">
-                <a:effectLst>
-                  <a:outerShdw dist="35921" dir="2700000" algn="ctr" rotWithShape="0">
-                    <a:schemeClr val="bg2"/>
-                  </a:outerShdw>
-                </a:effectLst>
-              </a14:hiddenEffects>
-            </a:ext>
-          </a:extLst>
-        </p:spPr>
-        <p:txBody>
-          <a:bodyPr wrap="square">
-            <a:spAutoFit/>
-          </a:bodyPr>
-          <a:lstStyle>
-            <a:lvl1pPr>
-              <a:defRPr sz="1600">
-                <a:solidFill>
-                  <a:schemeClr val="tx1"/>
-                </a:solidFill>
-                <a:latin typeface="Lucida Console" pitchFamily="49" charset="0"/>
-                <a:cs typeface="Arial" charset="0"/>
-              </a:defRPr>
-            </a:lvl1pPr>
-            <a:lvl2pPr marL="742950" indent="-285750">
-              <a:defRPr sz="1600">
-                <a:solidFill>
-                  <a:schemeClr val="tx1"/>
-                </a:solidFill>
-                <a:latin typeface="Lucida Console" pitchFamily="49" charset="0"/>
-                <a:cs typeface="Arial" charset="0"/>
-              </a:defRPr>
-            </a:lvl2pPr>
-            <a:lvl3pPr marL="1143000" indent="-228600">
-              <a:defRPr sz="1600">
-                <a:solidFill>
-                  <a:schemeClr val="tx1"/>
-                </a:solidFill>
-                <a:latin typeface="Lucida Console" pitchFamily="49" charset="0"/>
-                <a:cs typeface="Arial" charset="0"/>
-              </a:defRPr>
-            </a:lvl3pPr>
-            <a:lvl4pPr marL="1600200" indent="-228600">
-              <a:defRPr sz="1600">
-                <a:solidFill>
-                  <a:schemeClr val="tx1"/>
-                </a:solidFill>
-                <a:latin typeface="Lucida Console" pitchFamily="49" charset="0"/>
-                <a:cs typeface="Arial" charset="0"/>
-              </a:defRPr>
-            </a:lvl4pPr>
-            <a:lvl5pPr marL="2057400" indent="-228600">
-              <a:defRPr sz="1600">
-                <a:solidFill>
-                  <a:schemeClr val="tx1"/>
-                </a:solidFill>
-                <a:latin typeface="Lucida Console" pitchFamily="49" charset="0"/>
-                <a:cs typeface="Arial" charset="0"/>
-              </a:defRPr>
-            </a:lvl5pPr>
-            <a:lvl6pPr marL="2514600" indent="-228600" eaLnBrk="0" fontAlgn="base" hangingPunct="0">
-              <a:spcBef>
-                <a:spcPct val="0"/>
-              </a:spcBef>
-              <a:spcAft>
-                <a:spcPct val="0"/>
-              </a:spcAft>
-              <a:defRPr sz="1600">
-                <a:solidFill>
-                  <a:schemeClr val="tx1"/>
-                </a:solidFill>
-                <a:latin typeface="Lucida Console" pitchFamily="49" charset="0"/>
-                <a:cs typeface="Arial" charset="0"/>
-              </a:defRPr>
-            </a:lvl6pPr>
-            <a:lvl7pPr marL="2971800" indent="-228600" eaLnBrk="0" fontAlgn="base" hangingPunct="0">
-              <a:spcBef>
-                <a:spcPct val="0"/>
-              </a:spcBef>
-              <a:spcAft>
-                <a:spcPct val="0"/>
-              </a:spcAft>
-              <a:defRPr sz="1600">
-                <a:solidFill>
-                  <a:schemeClr val="tx1"/>
-                </a:solidFill>
-                <a:latin typeface="Lucida Console" pitchFamily="49" charset="0"/>
-                <a:cs typeface="Arial" charset="0"/>
-              </a:defRPr>
-            </a:lvl7pPr>
-            <a:lvl8pPr marL="3429000" indent="-228600" eaLnBrk="0" fontAlgn="base" hangingPunct="0">
-              <a:spcBef>
-                <a:spcPct val="0"/>
-              </a:spcBef>
-              <a:spcAft>
-                <a:spcPct val="0"/>
-              </a:spcAft>
-              <a:defRPr sz="1600">
-                <a:solidFill>
-                  <a:schemeClr val="tx1"/>
-                </a:solidFill>
-                <a:latin typeface="Lucida Console" pitchFamily="49" charset="0"/>
-                <a:cs typeface="Arial" charset="0"/>
-              </a:defRPr>
-            </a:lvl8pPr>
-            <a:lvl9pPr marL="3886200" indent="-228600" eaLnBrk="0" fontAlgn="base" hangingPunct="0">
-              <a:spcBef>
-                <a:spcPct val="0"/>
-              </a:spcBef>
-              <a:spcAft>
-                <a:spcPct val="0"/>
-              </a:spcAft>
-              <a:defRPr sz="1600">
-                <a:solidFill>
-                  <a:schemeClr val="tx1"/>
-                </a:solidFill>
-                <a:latin typeface="Lucida Console" pitchFamily="49" charset="0"/>
-                <a:cs typeface="Arial" charset="0"/>
-              </a:defRPr>
-            </a:lvl9pPr>
-          </a:lstStyle>
-          <a:p>
-            <a:pPr defTabSz="1219170"/>
-            <a:r>
-              <a:rPr lang="en-US" sz="2667" dirty="0">
-                <a:solidFill>
-                  <a:prstClr val="white"/>
-                </a:solidFill>
-                <a:latin typeface="Arial" charset="0"/>
-              </a:rPr>
-              <a:t>Level: Intermediate, etc.</a:t>
-            </a:r>
-          </a:p>
-          <a:p>
-            <a:pPr defTabSz="1219170"/>
-            <a:endParaRPr lang="en-US" sz="2133" b="1" dirty="0">
-              <a:solidFill>
-                <a:prstClr val="white"/>
-              </a:solidFill>
-              <a:latin typeface="Arial" charset="0"/>
-            </a:endParaRPr>
-          </a:p>
-        </p:txBody>
-      </p:sp>
-      <p:pic>
-        <p:nvPicPr>
-          <p:cNvPr id="2" name="Picture 1"/>
-          <p:cNvPicPr>
-            <a:picLocks noChangeAspect="1"/>
-          </p:cNvPicPr>
-          <p:nvPr/>
-        </p:nvPicPr>
-        <p:blipFill>
-          <a:blip r:embed="rId3">
-            <a:extLst>
-              <a:ext uri="{28A0092B-C50C-407E-A947-70E740481C1C}">
-                <a14:useLocalDpi xmlns:a14="http://schemas.microsoft.com/office/drawing/2010/main" val="0"/>
-              </a:ext>
-            </a:extLst>
-          </a:blip>
-          <a:stretch>
-            <a:fillRect/>
-          </a:stretch>
-        </p:blipFill>
-        <p:spPr>
-          <a:xfrm>
-            <a:off x="0" y="-17379"/>
-            <a:ext cx="12192000" cy="4665579"/>
-          </a:xfrm>
-          <a:prstGeom prst="rect">
-            <a:avLst/>
-          </a:prstGeom>
-        </p:spPr>
-      </p:pic>
-    </p:spTree>
-    <p:extLst>
-      <p:ext uri="{BB962C8B-B14F-4D97-AF65-F5344CB8AC3E}">
-        <p14:creationId xmlns:p14="http://schemas.microsoft.com/office/powerpoint/2010/main" val="3320517752"/>
-      </p:ext>
-    </p:extLst>
-  </p:cSld>
-  <p:clrMapOvr>
-    <a:masterClrMapping/>
-  </p:clrMapOvr>
-  <p:transition spd="slow"/>
-</p:sld>
-</file>
-
-<file path=ppt/slides/slide2.xml><?xml version="1.0" encoding="utf-8"?>
-<p:sld xmlns:a="http://schemas.openxmlformats.org/drawingml/2006/main" xmlns:r="http://schemas.openxmlformats.org/officeDocument/2006/relationships" xmlns:p="http://schemas.openxmlformats.org/presentationml/2006/main">
-  <p:cSld>
-    <p:spTree>
-      <p:nvGrpSpPr>
-        <p:cNvPr id="1" name=""/>
-        <p:cNvGrpSpPr/>
-        <p:nvPr/>
-      </p:nvGrpSpPr>
-      <p:grpSpPr>
-        <a:xfrm>
-          <a:off x="0" y="0"/>
-          <a:ext cx="0" cy="0"/>
-          <a:chOff x="0" y="0"/>
-          <a:chExt cx="0" cy="0"/>
-        </a:xfrm>
-      </p:grpSpPr>
       <p:pic>
         <p:nvPicPr>
           <p:cNvPr id="5" name="Picture 4">
@@ -10202,16 +9632,13 @@
                 <a:effectLst/>
                 <a:latin typeface="Roboto" panose="02000000000000000000" pitchFamily="2" charset="0"/>
               </a:rPr>
-              <a:t>Web APIs with ASP.NET 5</a:t>
+              <a:t>Web APIs with ASP.NET 6</a:t>
             </a:r>
             <a:endParaRPr lang="en-US" dirty="0">
               <a:solidFill>
                 <a:schemeClr val="tx1"/>
               </a:solidFill>
             </a:endParaRPr>
-          </a:p>
-          <a:p>
-            <a:endParaRPr lang="en-US" dirty="0"/>
           </a:p>
         </p:txBody>
       </p:sp>
@@ -10228,7 +9655,7 @@
 </p:sld>
 </file>
 
-<file path=ppt/slides/slide3.xml><?xml version="1.0" encoding="utf-8"?>
+<file path=ppt/slides/slide2.xml><?xml version="1.0" encoding="utf-8"?>
 <p:sld xmlns:a="http://schemas.openxmlformats.org/drawingml/2006/main" xmlns:r="http://schemas.openxmlformats.org/officeDocument/2006/relationships" xmlns:p="http://schemas.openxmlformats.org/presentationml/2006/main">
   <p:cSld>
     <p:bg>
@@ -10545,7 +9972,7 @@
 </p:sld>
 </file>
 
-<file path=ppt/slides/slide4.xml><?xml version="1.0" encoding="utf-8"?>
+<file path=ppt/slides/slide3.xml><?xml version="1.0" encoding="utf-8"?>
 <p:sld xmlns:a="http://schemas.openxmlformats.org/drawingml/2006/main" xmlns:r="http://schemas.openxmlformats.org/officeDocument/2006/relationships" xmlns:p="http://schemas.openxmlformats.org/presentationml/2006/main">
   <p:cSld>
     <p:spTree>
@@ -10625,6 +10052,396 @@
     <p:extLst>
       <p:ext uri="{BB962C8B-B14F-4D97-AF65-F5344CB8AC3E}">
         <p14:creationId xmlns:p14="http://schemas.microsoft.com/office/powerpoint/2010/main" val="4036447964"/>
+      </p:ext>
+    </p:extLst>
+  </p:cSld>
+  <p:clrMapOvr>
+    <a:masterClrMapping/>
+  </p:clrMapOvr>
+</p:sld>
+</file>
+
+<file path=ppt/slides/slide4.xml><?xml version="1.0" encoding="utf-8"?>
+<p:sld xmlns:a="http://schemas.openxmlformats.org/drawingml/2006/main" xmlns:r="http://schemas.openxmlformats.org/officeDocument/2006/relationships" xmlns:p="http://schemas.openxmlformats.org/presentationml/2006/main">
+  <p:cSld>
+    <p:bg>
+      <p:bgPr>
+        <a:solidFill>
+          <a:schemeClr val="bg1">
+            <a:lumMod val="75000"/>
+            <a:lumOff val="25000"/>
+          </a:schemeClr>
+        </a:solidFill>
+        <a:effectLst/>
+      </p:bgPr>
+    </p:bg>
+    <p:spTree>
+      <p:nvGrpSpPr>
+        <p:cNvPr id="1" name=""/>
+        <p:cNvGrpSpPr/>
+        <p:nvPr/>
+      </p:nvGrpSpPr>
+      <p:grpSpPr>
+        <a:xfrm>
+          <a:off x="0" y="0"/>
+          <a:ext cx="0" cy="0"/>
+          <a:chOff x="0" y="0"/>
+          <a:chExt cx="0" cy="0"/>
+        </a:xfrm>
+      </p:grpSpPr>
+      <p:sp>
+        <p:nvSpPr>
+          <p:cNvPr id="10" name="Rectangle 9">
+            <a:extLst>
+              <a:ext uri="{FF2B5EF4-FFF2-40B4-BE49-F238E27FC236}">
+                <a16:creationId xmlns:a16="http://schemas.microsoft.com/office/drawing/2014/main" id="{36E6FEC8-170C-492C-84E0-54394629D120}"/>
+              </a:ext>
+              <a:ext uri="{C183D7F6-B498-43B3-948B-1728B52AA6E4}">
+                <adec:decorative xmlns:adec="http://schemas.microsoft.com/office/drawing/2017/decorative" val="1"/>
+              </a:ext>
+            </a:extLst>
+          </p:cNvPr>
+          <p:cNvSpPr>
+            <a:spLocks noGrp="1" noRot="1" noChangeAspect="1" noMove="1" noResize="1" noEditPoints="1" noAdjustHandles="1" noChangeArrowheads="1" noChangeShapeType="1" noTextEdit="1"/>
+          </p:cNvSpPr>
+          <p:nvPr>
+            <p:extLst>
+              <p:ext uri="{386F3935-93C4-4BCD-93E2-E3B085C9AB24}">
+                <p16:designElem xmlns:p16="http://schemas.microsoft.com/office/powerpoint/2015/main" val="1"/>
+              </p:ext>
+            </p:extLst>
+          </p:nvPr>
+        </p:nvSpPr>
+        <p:spPr>
+          <a:xfrm>
+            <a:off x="3175" y="6400800"/>
+            <a:ext cx="12188825" cy="457200"/>
+          </a:xfrm>
+          <a:prstGeom prst="rect">
+            <a:avLst/>
+          </a:prstGeom>
+          <a:solidFill>
+            <a:schemeClr val="accent1">
+              <a:lumMod val="75000"/>
+            </a:schemeClr>
+          </a:solidFill>
+          <a:ln>
+            <a:noFill/>
+          </a:ln>
+        </p:spPr>
+        <p:style>
+          <a:lnRef idx="2">
+            <a:schemeClr val="accent1">
+              <a:shade val="50000"/>
+            </a:schemeClr>
+          </a:lnRef>
+          <a:fillRef idx="1">
+            <a:schemeClr val="accent1"/>
+          </a:fillRef>
+          <a:effectRef idx="0">
+            <a:schemeClr val="accent1"/>
+          </a:effectRef>
+          <a:fontRef idx="minor">
+            <a:schemeClr val="lt1"/>
+          </a:fontRef>
+        </p:style>
+      </p:sp>
+      <p:sp>
+        <p:nvSpPr>
+          <p:cNvPr id="12" name="Rectangle 11">
+            <a:extLst>
+              <a:ext uri="{FF2B5EF4-FFF2-40B4-BE49-F238E27FC236}">
+                <a16:creationId xmlns:a16="http://schemas.microsoft.com/office/drawing/2014/main" id="{DEE940A1-B9E0-4C5D-A55E-B19742379C83}"/>
+              </a:ext>
+              <a:ext uri="{C183D7F6-B498-43B3-948B-1728B52AA6E4}">
+                <adec:decorative xmlns:adec="http://schemas.microsoft.com/office/drawing/2017/decorative" val="1"/>
+              </a:ext>
+            </a:extLst>
+          </p:cNvPr>
+          <p:cNvSpPr>
+            <a:spLocks noGrp="1" noRot="1" noChangeAspect="1" noMove="1" noResize="1" noEditPoints="1" noAdjustHandles="1" noChangeArrowheads="1" noChangeShapeType="1" noTextEdit="1"/>
+          </p:cNvSpPr>
+          <p:nvPr>
+            <p:extLst>
+              <p:ext uri="{386F3935-93C4-4BCD-93E2-E3B085C9AB24}">
+                <p16:designElem xmlns:p16="http://schemas.microsoft.com/office/powerpoint/2015/main" val="1"/>
+              </p:ext>
+            </p:extLst>
+          </p:nvPr>
+        </p:nvSpPr>
+        <p:spPr>
+          <a:xfrm>
+            <a:off x="15" y="6334316"/>
+            <a:ext cx="12188825" cy="64008"/>
+          </a:xfrm>
+          <a:prstGeom prst="rect">
+            <a:avLst/>
+          </a:prstGeom>
+          <a:solidFill>
+            <a:schemeClr val="accent1"/>
+          </a:solidFill>
+          <a:ln>
+            <a:noFill/>
+          </a:ln>
+        </p:spPr>
+        <p:style>
+          <a:lnRef idx="2">
+            <a:schemeClr val="accent1">
+              <a:shade val="50000"/>
+            </a:schemeClr>
+          </a:lnRef>
+          <a:fillRef idx="1">
+            <a:schemeClr val="accent1"/>
+          </a:fillRef>
+          <a:effectRef idx="0">
+            <a:schemeClr val="accent1"/>
+          </a:effectRef>
+          <a:fontRef idx="minor">
+            <a:schemeClr val="lt1"/>
+          </a:fontRef>
+        </p:style>
+      </p:sp>
+      <p:cxnSp>
+        <p:nvCxnSpPr>
+          <p:cNvPr id="14" name="Straight Connector 13">
+            <a:extLst>
+              <a:ext uri="{FF2B5EF4-FFF2-40B4-BE49-F238E27FC236}">
+                <a16:creationId xmlns:a16="http://schemas.microsoft.com/office/drawing/2014/main" id="{81C8E47B-A563-4B44-A9B0-9316605C2E4E}"/>
+              </a:ext>
+              <a:ext uri="{C183D7F6-B498-43B3-948B-1728B52AA6E4}">
+                <adec:decorative xmlns:adec="http://schemas.microsoft.com/office/drawing/2017/decorative" val="1"/>
+              </a:ext>
+            </a:extLst>
+          </p:cNvPr>
+          <p:cNvCxnSpPr>
+            <a:cxnSpLocks noGrp="1" noRot="1" noChangeAspect="1" noMove="1" noResize="1" noEditPoints="1" noAdjustHandles="1" noChangeArrowheads="1" noChangeShapeType="1"/>
+          </p:cNvCxnSpPr>
+          <p:nvPr>
+            <p:extLst>
+              <p:ext uri="{386F3935-93C4-4BCD-93E2-E3B085C9AB24}">
+                <p16:designElem xmlns:p16="http://schemas.microsoft.com/office/powerpoint/2015/main" val="1"/>
+              </p:ext>
+            </p:extLst>
+          </p:nvPr>
+        </p:nvCxnSpPr>
+        <p:spPr>
+          <a:xfrm>
+            <a:off x="1207658" y="4343400"/>
+            <a:ext cx="9875520" cy="0"/>
+          </a:xfrm>
+          <a:prstGeom prst="line">
+            <a:avLst/>
+          </a:prstGeom>
+          <a:ln w="6350">
+            <a:solidFill>
+              <a:schemeClr val="tx1">
+                <a:lumMod val="50000"/>
+                <a:lumOff val="50000"/>
+              </a:schemeClr>
+            </a:solidFill>
+          </a:ln>
+        </p:spPr>
+        <p:style>
+          <a:lnRef idx="1">
+            <a:schemeClr val="accent1"/>
+          </a:lnRef>
+          <a:fillRef idx="0">
+            <a:schemeClr val="accent1"/>
+          </a:fillRef>
+          <a:effectRef idx="0">
+            <a:schemeClr val="accent1"/>
+          </a:effectRef>
+          <a:fontRef idx="minor">
+            <a:schemeClr val="tx1"/>
+          </a:fontRef>
+        </p:style>
+      </p:cxnSp>
+      <p:sp>
+        <p:nvSpPr>
+          <p:cNvPr id="16" name="Rectangle 15">
+            <a:extLst>
+              <a:ext uri="{FF2B5EF4-FFF2-40B4-BE49-F238E27FC236}">
+                <a16:creationId xmlns:a16="http://schemas.microsoft.com/office/drawing/2014/main" id="{89CEF278-62C5-49CA-8BD9-BCDBE9977FF3}"/>
+              </a:ext>
+              <a:ext uri="{C183D7F6-B498-43B3-948B-1728B52AA6E4}">
+                <adec:decorative xmlns:adec="http://schemas.microsoft.com/office/drawing/2017/decorative" val="1"/>
+              </a:ext>
+            </a:extLst>
+          </p:cNvPr>
+          <p:cNvSpPr>
+            <a:spLocks noGrp="1" noRot="1" noChangeAspect="1" noMove="1" noResize="1" noEditPoints="1" noAdjustHandles="1" noChangeArrowheads="1" noChangeShapeType="1" noTextEdit="1"/>
+          </p:cNvSpPr>
+          <p:nvPr>
+            <p:extLst>
+              <p:ext uri="{386F3935-93C4-4BCD-93E2-E3B085C9AB24}">
+                <p16:designElem xmlns:p16="http://schemas.microsoft.com/office/powerpoint/2015/main" val="1"/>
+              </p:ext>
+            </p:extLst>
+          </p:nvPr>
+        </p:nvSpPr>
+        <p:spPr bwMode="white">
+          <a:xfrm>
+            <a:off x="16" y="0"/>
+            <a:ext cx="4584734" cy="6858000"/>
+          </a:xfrm>
+          <a:prstGeom prst="rect">
+            <a:avLst/>
+          </a:prstGeom>
+          <a:solidFill>
+            <a:schemeClr val="accent1">
+              <a:lumMod val="75000"/>
+            </a:schemeClr>
+          </a:solidFill>
+          <a:ln>
+            <a:noFill/>
+          </a:ln>
+        </p:spPr>
+        <p:style>
+          <a:lnRef idx="2">
+            <a:schemeClr val="accent1">
+              <a:shade val="50000"/>
+            </a:schemeClr>
+          </a:lnRef>
+          <a:fillRef idx="1">
+            <a:schemeClr val="accent1"/>
+          </a:fillRef>
+          <a:effectRef idx="0">
+            <a:schemeClr val="accent1"/>
+          </a:effectRef>
+          <a:fontRef idx="minor">
+            <a:schemeClr val="lt1"/>
+          </a:fontRef>
+        </p:style>
+      </p:sp>
+      <p:sp>
+        <p:nvSpPr>
+          <p:cNvPr id="2" name="Title 1">
+            <a:extLst>
+              <a:ext uri="{FF2B5EF4-FFF2-40B4-BE49-F238E27FC236}">
+                <a16:creationId xmlns:a16="http://schemas.microsoft.com/office/drawing/2014/main" id="{1BF674BA-30C4-4576-9080-3EA801F919F6}"/>
+              </a:ext>
+            </a:extLst>
+          </p:cNvPr>
+          <p:cNvSpPr>
+            <a:spLocks noGrp="1"/>
+          </p:cNvSpPr>
+          <p:nvPr>
+            <p:ph type="title"/>
+          </p:nvPr>
+        </p:nvSpPr>
+        <p:spPr>
+          <a:xfrm>
+            <a:off x="457200" y="640080"/>
+            <a:ext cx="3659246" cy="2926080"/>
+          </a:xfrm>
+        </p:spPr>
+        <p:txBody>
+          <a:bodyPr vert="horz" lIns="91440" tIns="45720" rIns="91440" bIns="45720" rtlCol="0" anchor="b">
+            <a:normAutofit/>
+          </a:bodyPr>
+          <a:lstStyle/>
+          <a:p>
+            <a:r>
+              <a:rPr lang="en-US" sz="4400" dirty="0">
+                <a:solidFill>
+                  <a:srgbClr val="FFFFFF"/>
+                </a:solidFill>
+              </a:rPr>
+              <a:t>Swagger UI</a:t>
+            </a:r>
+          </a:p>
+        </p:txBody>
+      </p:sp>
+      <p:pic>
+        <p:nvPicPr>
+          <p:cNvPr id="5" name="Content Placeholder 4">
+            <a:extLst>
+              <a:ext uri="{FF2B5EF4-FFF2-40B4-BE49-F238E27FC236}">
+                <a16:creationId xmlns:a16="http://schemas.microsoft.com/office/drawing/2014/main" id="{53CAF39A-CADD-4D87-A292-EE4E35D147BB}"/>
+              </a:ext>
+            </a:extLst>
+          </p:cNvPr>
+          <p:cNvPicPr>
+            <a:picLocks noGrp="1" noChangeAspect="1"/>
+          </p:cNvPicPr>
+          <p:nvPr>
+            <p:ph idx="1"/>
+          </p:nvPr>
+        </p:nvPicPr>
+        <p:blipFill rotWithShape="1">
+          <a:blip r:embed="rId2"/>
+          <a:srcRect r="2" b="8738"/>
+          <a:stretch/>
+        </p:blipFill>
+        <p:spPr>
+          <a:xfrm>
+            <a:off x="4639733" y="10"/>
+            <a:ext cx="7552266" cy="6857990"/>
+          </a:xfrm>
+          <a:prstGeom prst="rect">
+            <a:avLst/>
+          </a:prstGeom>
+        </p:spPr>
+      </p:pic>
+      <p:sp>
+        <p:nvSpPr>
+          <p:cNvPr id="18" name="Rectangle 17">
+            <a:extLst>
+              <a:ext uri="{FF2B5EF4-FFF2-40B4-BE49-F238E27FC236}">
+                <a16:creationId xmlns:a16="http://schemas.microsoft.com/office/drawing/2014/main" id="{02E2466B-276C-423A-9377-78508D6A0764}"/>
+              </a:ext>
+              <a:ext uri="{C183D7F6-B498-43B3-948B-1728B52AA6E4}">
+                <adec:decorative xmlns:adec="http://schemas.microsoft.com/office/drawing/2017/decorative" val="1"/>
+              </a:ext>
+            </a:extLst>
+          </p:cNvPr>
+          <p:cNvSpPr>
+            <a:spLocks noGrp="1" noRot="1" noChangeAspect="1" noMove="1" noResize="1" noEditPoints="1" noAdjustHandles="1" noChangeArrowheads="1" noChangeShapeType="1" noTextEdit="1"/>
+          </p:cNvSpPr>
+          <p:nvPr>
+            <p:extLst>
+              <p:ext uri="{386F3935-93C4-4BCD-93E2-E3B085C9AB24}">
+                <p16:designElem xmlns:p16="http://schemas.microsoft.com/office/powerpoint/2015/main" val="1"/>
+              </p:ext>
+            </p:extLst>
+          </p:nvPr>
+        </p:nvSpPr>
+        <p:spPr>
+          <a:xfrm>
+            <a:off x="4584751" y="0"/>
+            <a:ext cx="64008" cy="6858000"/>
+          </a:xfrm>
+          <a:prstGeom prst="rect">
+            <a:avLst/>
+          </a:prstGeom>
+          <a:solidFill>
+            <a:schemeClr val="accent1"/>
+          </a:solidFill>
+          <a:ln>
+            <a:noFill/>
+          </a:ln>
+        </p:spPr>
+        <p:style>
+          <a:lnRef idx="2">
+            <a:schemeClr val="accent1">
+              <a:shade val="50000"/>
+            </a:schemeClr>
+          </a:lnRef>
+          <a:fillRef idx="1">
+            <a:schemeClr val="accent1"/>
+          </a:fillRef>
+          <a:effectRef idx="0">
+            <a:schemeClr val="accent1"/>
+          </a:effectRef>
+          <a:fontRef idx="minor">
+            <a:schemeClr val="lt1"/>
+          </a:fontRef>
+        </p:style>
+      </p:sp>
+    </p:spTree>
+    <p:extLst>
+      <p:ext uri="{BB962C8B-B14F-4D97-AF65-F5344CB8AC3E}">
+        <p14:creationId xmlns:p14="http://schemas.microsoft.com/office/powerpoint/2010/main" val="3618406743"/>
       </p:ext>
     </p:extLst>
   </p:cSld>
@@ -10667,396 +10484,6 @@
           <p:cNvPr id="10" name="Rectangle 9">
             <a:extLst>
               <a:ext uri="{FF2B5EF4-FFF2-40B4-BE49-F238E27FC236}">
-                <a16:creationId xmlns:a16="http://schemas.microsoft.com/office/drawing/2014/main" id="{36E6FEC8-170C-492C-84E0-54394629D120}"/>
-              </a:ext>
-              <a:ext uri="{C183D7F6-B498-43B3-948B-1728B52AA6E4}">
-                <adec:decorative xmlns:adec="http://schemas.microsoft.com/office/drawing/2017/decorative" val="1"/>
-              </a:ext>
-            </a:extLst>
-          </p:cNvPr>
-          <p:cNvSpPr>
-            <a:spLocks noGrp="1" noRot="1" noChangeAspect="1" noMove="1" noResize="1" noEditPoints="1" noAdjustHandles="1" noChangeArrowheads="1" noChangeShapeType="1" noTextEdit="1"/>
-          </p:cNvSpPr>
-          <p:nvPr>
-            <p:extLst>
-              <p:ext uri="{386F3935-93C4-4BCD-93E2-E3B085C9AB24}">
-                <p16:designElem xmlns:p16="http://schemas.microsoft.com/office/powerpoint/2015/main" val="1"/>
-              </p:ext>
-            </p:extLst>
-          </p:nvPr>
-        </p:nvSpPr>
-        <p:spPr>
-          <a:xfrm>
-            <a:off x="3175" y="6400800"/>
-            <a:ext cx="12188825" cy="457200"/>
-          </a:xfrm>
-          <a:prstGeom prst="rect">
-            <a:avLst/>
-          </a:prstGeom>
-          <a:solidFill>
-            <a:schemeClr val="accent1">
-              <a:lumMod val="75000"/>
-            </a:schemeClr>
-          </a:solidFill>
-          <a:ln>
-            <a:noFill/>
-          </a:ln>
-        </p:spPr>
-        <p:style>
-          <a:lnRef idx="2">
-            <a:schemeClr val="accent1">
-              <a:shade val="50000"/>
-            </a:schemeClr>
-          </a:lnRef>
-          <a:fillRef idx="1">
-            <a:schemeClr val="accent1"/>
-          </a:fillRef>
-          <a:effectRef idx="0">
-            <a:schemeClr val="accent1"/>
-          </a:effectRef>
-          <a:fontRef idx="minor">
-            <a:schemeClr val="lt1"/>
-          </a:fontRef>
-        </p:style>
-      </p:sp>
-      <p:sp>
-        <p:nvSpPr>
-          <p:cNvPr id="12" name="Rectangle 11">
-            <a:extLst>
-              <a:ext uri="{FF2B5EF4-FFF2-40B4-BE49-F238E27FC236}">
-                <a16:creationId xmlns:a16="http://schemas.microsoft.com/office/drawing/2014/main" id="{DEE940A1-B9E0-4C5D-A55E-B19742379C83}"/>
-              </a:ext>
-              <a:ext uri="{C183D7F6-B498-43B3-948B-1728B52AA6E4}">
-                <adec:decorative xmlns:adec="http://schemas.microsoft.com/office/drawing/2017/decorative" val="1"/>
-              </a:ext>
-            </a:extLst>
-          </p:cNvPr>
-          <p:cNvSpPr>
-            <a:spLocks noGrp="1" noRot="1" noChangeAspect="1" noMove="1" noResize="1" noEditPoints="1" noAdjustHandles="1" noChangeArrowheads="1" noChangeShapeType="1" noTextEdit="1"/>
-          </p:cNvSpPr>
-          <p:nvPr>
-            <p:extLst>
-              <p:ext uri="{386F3935-93C4-4BCD-93E2-E3B085C9AB24}">
-                <p16:designElem xmlns:p16="http://schemas.microsoft.com/office/powerpoint/2015/main" val="1"/>
-              </p:ext>
-            </p:extLst>
-          </p:nvPr>
-        </p:nvSpPr>
-        <p:spPr>
-          <a:xfrm>
-            <a:off x="15" y="6334316"/>
-            <a:ext cx="12188825" cy="64008"/>
-          </a:xfrm>
-          <a:prstGeom prst="rect">
-            <a:avLst/>
-          </a:prstGeom>
-          <a:solidFill>
-            <a:schemeClr val="accent1"/>
-          </a:solidFill>
-          <a:ln>
-            <a:noFill/>
-          </a:ln>
-        </p:spPr>
-        <p:style>
-          <a:lnRef idx="2">
-            <a:schemeClr val="accent1">
-              <a:shade val="50000"/>
-            </a:schemeClr>
-          </a:lnRef>
-          <a:fillRef idx="1">
-            <a:schemeClr val="accent1"/>
-          </a:fillRef>
-          <a:effectRef idx="0">
-            <a:schemeClr val="accent1"/>
-          </a:effectRef>
-          <a:fontRef idx="minor">
-            <a:schemeClr val="lt1"/>
-          </a:fontRef>
-        </p:style>
-      </p:sp>
-      <p:cxnSp>
-        <p:nvCxnSpPr>
-          <p:cNvPr id="14" name="Straight Connector 13">
-            <a:extLst>
-              <a:ext uri="{FF2B5EF4-FFF2-40B4-BE49-F238E27FC236}">
-                <a16:creationId xmlns:a16="http://schemas.microsoft.com/office/drawing/2014/main" id="{81C8E47B-A563-4B44-A9B0-9316605C2E4E}"/>
-              </a:ext>
-              <a:ext uri="{C183D7F6-B498-43B3-948B-1728B52AA6E4}">
-                <adec:decorative xmlns:adec="http://schemas.microsoft.com/office/drawing/2017/decorative" val="1"/>
-              </a:ext>
-            </a:extLst>
-          </p:cNvPr>
-          <p:cNvCxnSpPr>
-            <a:cxnSpLocks noGrp="1" noRot="1" noChangeAspect="1" noMove="1" noResize="1" noEditPoints="1" noAdjustHandles="1" noChangeArrowheads="1" noChangeShapeType="1"/>
-          </p:cNvCxnSpPr>
-          <p:nvPr>
-            <p:extLst>
-              <p:ext uri="{386F3935-93C4-4BCD-93E2-E3B085C9AB24}">
-                <p16:designElem xmlns:p16="http://schemas.microsoft.com/office/powerpoint/2015/main" val="1"/>
-              </p:ext>
-            </p:extLst>
-          </p:nvPr>
-        </p:nvCxnSpPr>
-        <p:spPr>
-          <a:xfrm>
-            <a:off x="1207658" y="4343400"/>
-            <a:ext cx="9875520" cy="0"/>
-          </a:xfrm>
-          <a:prstGeom prst="line">
-            <a:avLst/>
-          </a:prstGeom>
-          <a:ln w="6350">
-            <a:solidFill>
-              <a:schemeClr val="tx1">
-                <a:lumMod val="50000"/>
-                <a:lumOff val="50000"/>
-              </a:schemeClr>
-            </a:solidFill>
-          </a:ln>
-        </p:spPr>
-        <p:style>
-          <a:lnRef idx="1">
-            <a:schemeClr val="accent1"/>
-          </a:lnRef>
-          <a:fillRef idx="0">
-            <a:schemeClr val="accent1"/>
-          </a:fillRef>
-          <a:effectRef idx="0">
-            <a:schemeClr val="accent1"/>
-          </a:effectRef>
-          <a:fontRef idx="minor">
-            <a:schemeClr val="tx1"/>
-          </a:fontRef>
-        </p:style>
-      </p:cxnSp>
-      <p:sp>
-        <p:nvSpPr>
-          <p:cNvPr id="16" name="Rectangle 15">
-            <a:extLst>
-              <a:ext uri="{FF2B5EF4-FFF2-40B4-BE49-F238E27FC236}">
-                <a16:creationId xmlns:a16="http://schemas.microsoft.com/office/drawing/2014/main" id="{89CEF278-62C5-49CA-8BD9-BCDBE9977FF3}"/>
-              </a:ext>
-              <a:ext uri="{C183D7F6-B498-43B3-948B-1728B52AA6E4}">
-                <adec:decorative xmlns:adec="http://schemas.microsoft.com/office/drawing/2017/decorative" val="1"/>
-              </a:ext>
-            </a:extLst>
-          </p:cNvPr>
-          <p:cNvSpPr>
-            <a:spLocks noGrp="1" noRot="1" noChangeAspect="1" noMove="1" noResize="1" noEditPoints="1" noAdjustHandles="1" noChangeArrowheads="1" noChangeShapeType="1" noTextEdit="1"/>
-          </p:cNvSpPr>
-          <p:nvPr>
-            <p:extLst>
-              <p:ext uri="{386F3935-93C4-4BCD-93E2-E3B085C9AB24}">
-                <p16:designElem xmlns:p16="http://schemas.microsoft.com/office/powerpoint/2015/main" val="1"/>
-              </p:ext>
-            </p:extLst>
-          </p:nvPr>
-        </p:nvSpPr>
-        <p:spPr bwMode="white">
-          <a:xfrm>
-            <a:off x="16" y="0"/>
-            <a:ext cx="4584734" cy="6858000"/>
-          </a:xfrm>
-          <a:prstGeom prst="rect">
-            <a:avLst/>
-          </a:prstGeom>
-          <a:solidFill>
-            <a:schemeClr val="accent1">
-              <a:lumMod val="75000"/>
-            </a:schemeClr>
-          </a:solidFill>
-          <a:ln>
-            <a:noFill/>
-          </a:ln>
-        </p:spPr>
-        <p:style>
-          <a:lnRef idx="2">
-            <a:schemeClr val="accent1">
-              <a:shade val="50000"/>
-            </a:schemeClr>
-          </a:lnRef>
-          <a:fillRef idx="1">
-            <a:schemeClr val="accent1"/>
-          </a:fillRef>
-          <a:effectRef idx="0">
-            <a:schemeClr val="accent1"/>
-          </a:effectRef>
-          <a:fontRef idx="minor">
-            <a:schemeClr val="lt1"/>
-          </a:fontRef>
-        </p:style>
-      </p:sp>
-      <p:sp>
-        <p:nvSpPr>
-          <p:cNvPr id="2" name="Title 1">
-            <a:extLst>
-              <a:ext uri="{FF2B5EF4-FFF2-40B4-BE49-F238E27FC236}">
-                <a16:creationId xmlns:a16="http://schemas.microsoft.com/office/drawing/2014/main" id="{1BF674BA-30C4-4576-9080-3EA801F919F6}"/>
-              </a:ext>
-            </a:extLst>
-          </p:cNvPr>
-          <p:cNvSpPr>
-            <a:spLocks noGrp="1"/>
-          </p:cNvSpPr>
-          <p:nvPr>
-            <p:ph type="title"/>
-          </p:nvPr>
-        </p:nvSpPr>
-        <p:spPr>
-          <a:xfrm>
-            <a:off x="457200" y="640080"/>
-            <a:ext cx="3659246" cy="2926080"/>
-          </a:xfrm>
-        </p:spPr>
-        <p:txBody>
-          <a:bodyPr vert="horz" lIns="91440" tIns="45720" rIns="91440" bIns="45720" rtlCol="0" anchor="b">
-            <a:normAutofit/>
-          </a:bodyPr>
-          <a:lstStyle/>
-          <a:p>
-            <a:r>
-              <a:rPr lang="en-US" sz="4400" dirty="0">
-                <a:solidFill>
-                  <a:srgbClr val="FFFFFF"/>
-                </a:solidFill>
-              </a:rPr>
-              <a:t>Swagger UI</a:t>
-            </a:r>
-          </a:p>
-        </p:txBody>
-      </p:sp>
-      <p:pic>
-        <p:nvPicPr>
-          <p:cNvPr id="5" name="Content Placeholder 4">
-            <a:extLst>
-              <a:ext uri="{FF2B5EF4-FFF2-40B4-BE49-F238E27FC236}">
-                <a16:creationId xmlns:a16="http://schemas.microsoft.com/office/drawing/2014/main" id="{53CAF39A-CADD-4D87-A292-EE4E35D147BB}"/>
-              </a:ext>
-            </a:extLst>
-          </p:cNvPr>
-          <p:cNvPicPr>
-            <a:picLocks noGrp="1" noChangeAspect="1"/>
-          </p:cNvPicPr>
-          <p:nvPr>
-            <p:ph idx="1"/>
-          </p:nvPr>
-        </p:nvPicPr>
-        <p:blipFill rotWithShape="1">
-          <a:blip r:embed="rId2"/>
-          <a:srcRect r="2" b="8738"/>
-          <a:stretch/>
-        </p:blipFill>
-        <p:spPr>
-          <a:xfrm>
-            <a:off x="4639733" y="10"/>
-            <a:ext cx="7552266" cy="6857990"/>
-          </a:xfrm>
-          <a:prstGeom prst="rect">
-            <a:avLst/>
-          </a:prstGeom>
-        </p:spPr>
-      </p:pic>
-      <p:sp>
-        <p:nvSpPr>
-          <p:cNvPr id="18" name="Rectangle 17">
-            <a:extLst>
-              <a:ext uri="{FF2B5EF4-FFF2-40B4-BE49-F238E27FC236}">
-                <a16:creationId xmlns:a16="http://schemas.microsoft.com/office/drawing/2014/main" id="{02E2466B-276C-423A-9377-78508D6A0764}"/>
-              </a:ext>
-              <a:ext uri="{C183D7F6-B498-43B3-948B-1728B52AA6E4}">
-                <adec:decorative xmlns:adec="http://schemas.microsoft.com/office/drawing/2017/decorative" val="1"/>
-              </a:ext>
-            </a:extLst>
-          </p:cNvPr>
-          <p:cNvSpPr>
-            <a:spLocks noGrp="1" noRot="1" noChangeAspect="1" noMove="1" noResize="1" noEditPoints="1" noAdjustHandles="1" noChangeArrowheads="1" noChangeShapeType="1" noTextEdit="1"/>
-          </p:cNvSpPr>
-          <p:nvPr>
-            <p:extLst>
-              <p:ext uri="{386F3935-93C4-4BCD-93E2-E3B085C9AB24}">
-                <p16:designElem xmlns:p16="http://schemas.microsoft.com/office/powerpoint/2015/main" val="1"/>
-              </p:ext>
-            </p:extLst>
-          </p:nvPr>
-        </p:nvSpPr>
-        <p:spPr>
-          <a:xfrm>
-            <a:off x="4584751" y="0"/>
-            <a:ext cx="64008" cy="6858000"/>
-          </a:xfrm>
-          <a:prstGeom prst="rect">
-            <a:avLst/>
-          </a:prstGeom>
-          <a:solidFill>
-            <a:schemeClr val="accent1"/>
-          </a:solidFill>
-          <a:ln>
-            <a:noFill/>
-          </a:ln>
-        </p:spPr>
-        <p:style>
-          <a:lnRef idx="2">
-            <a:schemeClr val="accent1">
-              <a:shade val="50000"/>
-            </a:schemeClr>
-          </a:lnRef>
-          <a:fillRef idx="1">
-            <a:schemeClr val="accent1"/>
-          </a:fillRef>
-          <a:effectRef idx="0">
-            <a:schemeClr val="accent1"/>
-          </a:effectRef>
-          <a:fontRef idx="minor">
-            <a:schemeClr val="lt1"/>
-          </a:fontRef>
-        </p:style>
-      </p:sp>
-    </p:spTree>
-    <p:extLst>
-      <p:ext uri="{BB962C8B-B14F-4D97-AF65-F5344CB8AC3E}">
-        <p14:creationId xmlns:p14="http://schemas.microsoft.com/office/powerpoint/2010/main" val="3618406743"/>
-      </p:ext>
-    </p:extLst>
-  </p:cSld>
-  <p:clrMapOvr>
-    <a:masterClrMapping/>
-  </p:clrMapOvr>
-</p:sld>
-</file>
-
-<file path=ppt/slides/slide6.xml><?xml version="1.0" encoding="utf-8"?>
-<p:sld xmlns:a="http://schemas.openxmlformats.org/drawingml/2006/main" xmlns:r="http://schemas.openxmlformats.org/officeDocument/2006/relationships" xmlns:p="http://schemas.openxmlformats.org/presentationml/2006/main">
-  <p:cSld>
-    <p:bg>
-      <p:bgPr>
-        <a:solidFill>
-          <a:schemeClr val="bg1">
-            <a:lumMod val="75000"/>
-            <a:lumOff val="25000"/>
-          </a:schemeClr>
-        </a:solidFill>
-        <a:effectLst/>
-      </p:bgPr>
-    </p:bg>
-    <p:spTree>
-      <p:nvGrpSpPr>
-        <p:cNvPr id="1" name=""/>
-        <p:cNvGrpSpPr/>
-        <p:nvPr/>
-      </p:nvGrpSpPr>
-      <p:grpSpPr>
-        <a:xfrm>
-          <a:off x="0" y="0"/>
-          <a:ext cx="0" cy="0"/>
-          <a:chOff x="0" y="0"/>
-          <a:chExt cx="0" cy="0"/>
-        </a:xfrm>
-      </p:grpSpPr>
-      <p:sp>
-        <p:nvSpPr>
-          <p:cNvPr id="10" name="Rectangle 9">
-            <a:extLst>
-              <a:ext uri="{FF2B5EF4-FFF2-40B4-BE49-F238E27FC236}">
                 <a16:creationId xmlns:a16="http://schemas.microsoft.com/office/drawing/2014/main" id="{8BE48C64-5364-4060-8928-FC052E77CD60}"/>
               </a:ext>
               <a:ext uri="{C183D7F6-B498-43B3-948B-1728B52AA6E4}">
@@ -11475,7 +10902,7 @@
 </p:sld>
 </file>
 
-<file path=ppt/slides/slide7.xml><?xml version="1.0" encoding="utf-8"?>
+<file path=ppt/slides/slide6.xml><?xml version="1.0" encoding="utf-8"?>
 <p:sld xmlns:a="http://schemas.openxmlformats.org/drawingml/2006/main" xmlns:r="http://schemas.openxmlformats.org/officeDocument/2006/relationships" xmlns:p="http://schemas.openxmlformats.org/presentationml/2006/main">
   <p:cSld>
     <p:spTree>
@@ -11739,7 +11166,7 @@
 </p:sld>
 </file>
 
-<file path=ppt/slides/slide8.xml><?xml version="1.0" encoding="utf-8"?>
+<file path=ppt/slides/slide7.xml><?xml version="1.0" encoding="utf-8"?>
 <p:sld xmlns:a="http://schemas.openxmlformats.org/drawingml/2006/main" xmlns:r="http://schemas.openxmlformats.org/officeDocument/2006/relationships" xmlns:p="http://schemas.openxmlformats.org/presentationml/2006/main">
   <p:cSld>
     <p:bg>
